--- a/Validation/lecture.pptx
+++ b/Validation/lecture.pptx
@@ -296,7 +296,7 @@
             <a:pPr algn="r">
               <a:buNone/>
             </a:pPr>
-            <a:fld id="{A8707134-43B1-4669-9212-CE35F0341142}" type="slidenum">
+            <a:fld id="{8F350CC3-F1B7-45DC-9630-C0DA26DA69E2}" type="slidenum">
               <a:rPr b="0" lang="en-CA" sz="1400" spc="-1" strike="noStrike">
                 <a:latin typeface="Times New Roman"/>
               </a:rPr>
@@ -344,7 +344,7 @@
         <p:spPr>
           <a:xfrm>
             <a:off x="3884760" y="8685360"/>
-            <a:ext cx="2969280" cy="454680"/>
+            <a:ext cx="2968920" cy="454320"/>
           </a:xfrm>
           <a:prstGeom prst="rect">
             <a:avLst/>
@@ -377,7 +377,7 @@
               </a:lnSpc>
               <a:buNone/>
             </a:pPr>
-            <a:fld id="{8A2D440D-A451-4CC2-BBC6-0105FD0CF693}" type="slidenum">
+            <a:fld id="{72450C98-F2D1-4066-9BD3-B951C0AAFC78}" type="slidenum">
               <a:rPr b="0" lang="en-US" sz="1200" spc="-1" strike="noStrike">
                 <a:latin typeface="Times New Roman"/>
                 <a:ea typeface="Lucida Sans Unicode"/>
@@ -403,7 +403,7 @@
         <p:spPr>
           <a:xfrm>
             <a:off x="1143000" y="685800"/>
-            <a:ext cx="4569480" cy="3426480"/>
+            <a:ext cx="4569120" cy="3426120"/>
           </a:xfrm>
           <a:prstGeom prst="rect">
             <a:avLst/>
@@ -426,7 +426,7 @@
         <p:spPr>
           <a:xfrm>
             <a:off x="685800" y="4343400"/>
-            <a:ext cx="5483880" cy="4112280"/>
+            <a:ext cx="5483520" cy="4111920"/>
           </a:xfrm>
           <a:prstGeom prst="rect">
             <a:avLst/>
@@ -3537,7 +3537,7 @@
         <p:spPr>
           <a:xfrm>
             <a:off x="34920" y="6099120"/>
-            <a:ext cx="2531160" cy="711720"/>
+            <a:ext cx="2530800" cy="711360"/>
           </a:xfrm>
           <a:prstGeom prst="rect">
             <a:avLst/>
@@ -3830,7 +3830,7 @@
         <p:spPr>
           <a:xfrm>
             <a:off x="34920" y="6099120"/>
-            <a:ext cx="2531160" cy="711720"/>
+            <a:ext cx="2530800" cy="711360"/>
           </a:xfrm>
           <a:prstGeom prst="rect">
             <a:avLst/>
@@ -4116,7 +4116,7 @@
         <p:spPr>
           <a:xfrm>
             <a:off x="685800" y="2130480"/>
-            <a:ext cx="7769880" cy="1467360"/>
+            <a:ext cx="7769520" cy="1467000"/>
           </a:xfrm>
           <a:prstGeom prst="rect">
             <a:avLst/>
@@ -4193,7 +4193,7 @@
         <p:spPr>
           <a:xfrm>
             <a:off x="457200" y="274680"/>
-            <a:ext cx="8227080" cy="1140480"/>
+            <a:ext cx="8226720" cy="1140120"/>
           </a:xfrm>
           <a:prstGeom prst="rect">
             <a:avLst/>
@@ -4243,7 +4243,7 @@
         <p:spPr>
           <a:xfrm>
             <a:off x="1261800" y="1415520"/>
-            <a:ext cx="7017840" cy="4523400"/>
+            <a:ext cx="7017480" cy="4523040"/>
           </a:xfrm>
           <a:prstGeom prst="rect">
             <a:avLst/>
@@ -4275,7 +4275,7 @@
                 <a:latin typeface="Calibri"/>
                 <a:ea typeface="ＭＳ Ｐゴシック"/>
               </a:rPr>
-              <a:t>Custom Attributes allow one to extend the validation runtime by adding attributes that be used to decorate model properties, just like the the native validation attributes do.</a:t>
+              <a:t>Custom Attributes allow one to extend the validation runtime by adding attributes that be used to decorate model properties, just like the native validation attributes do.</a:t>
             </a:r>
             <a:endParaRPr b="0" lang="en-CA" sz="2600" spc="-1" strike="noStrike">
               <a:latin typeface="Arial"/>
@@ -4313,7 +4313,7 @@
                 <a:latin typeface="Calibri"/>
                 <a:ea typeface="ＭＳ Ｐゴシック"/>
               </a:rPr>
-              <a:t>When a Model that implement the Ivalidatable interface, the runtime will call the Validate method.  </a:t>
+              <a:t>When a Model implements the IValidatable interface, the runtime will call the Validate method after instantiating the class.  </a:t>
             </a:r>
             <a:endParaRPr b="0" lang="en-CA" sz="2600" spc="-1" strike="noStrike">
               <a:latin typeface="Arial"/>
@@ -4420,7 +4420,7 @@
         <p:spPr>
           <a:xfrm>
             <a:off x="457200" y="274680"/>
-            <a:ext cx="8227080" cy="1140480"/>
+            <a:ext cx="8226720" cy="1140120"/>
           </a:xfrm>
           <a:prstGeom prst="rect">
             <a:avLst/>
@@ -4470,7 +4470,7 @@
         <p:spPr>
           <a:xfrm>
             <a:off x="1261800" y="1415520"/>
-            <a:ext cx="7017840" cy="4523400"/>
+            <a:ext cx="7017480" cy="4523040"/>
           </a:xfrm>
           <a:prstGeom prst="rect">
             <a:avLst/>
@@ -4540,7 +4540,7 @@
                 <a:latin typeface="Calibri"/>
                 <a:ea typeface="ＭＳ Ｐゴシック"/>
               </a:rPr>
-              <a:t>The IValidatable strategy is typically used for validations that apply to more than one property, as it allows the error message(s) to be placed anywhere on the page.</a:t>
+              <a:t>The IValidatable strategy is typically used for validations that apply to more than one property, as it allows any error message to be associated with multiple properties.</a:t>
             </a:r>
             <a:endParaRPr b="0" lang="en-CA" sz="2600" spc="-1" strike="noStrike">
               <a:latin typeface="Arial"/>
@@ -4647,7 +4647,7 @@
         <p:spPr>
           <a:xfrm>
             <a:off x="457200" y="274680"/>
-            <a:ext cx="8227080" cy="1140480"/>
+            <a:ext cx="8226720" cy="1140120"/>
           </a:xfrm>
           <a:prstGeom prst="rect">
             <a:avLst/>
@@ -4697,7 +4697,7 @@
         <p:spPr>
           <a:xfrm>
             <a:off x="1333080" y="1620000"/>
-            <a:ext cx="7017840" cy="4140000"/>
+            <a:ext cx="7017480" cy="4139640"/>
           </a:xfrm>
           <a:prstGeom prst="rect">
             <a:avLst/>
@@ -4729,17 +4729,7 @@
                 <a:latin typeface="Calibri"/>
                 <a:ea typeface="ＭＳ Ｐゴシック"/>
               </a:rPr>
-              <a:t>The lab demonstrates how to code these </a:t>
-            </a:r>
-            <a:r>
-              <a:rPr b="0" lang="en-CA" sz="2600" spc="-1" strike="noStrike">
-                <a:solidFill>
-                  <a:srgbClr val="535353"/>
-                </a:solidFill>
-                <a:latin typeface="Calibri"/>
-                <a:ea typeface="ＭＳ Ｐゴシック"/>
-              </a:rPr>
-              <a:t>up.</a:t>
+              <a:t>The lab demonstrates how to code these up.</a:t>
             </a:r>
             <a:endParaRPr b="0" lang="en-CA" sz="2600" spc="-1" strike="noStrike">
               <a:latin typeface="Arial"/>

--- a/Validation/lecture.pptx
+++ b/Validation/lecture.pptx
@@ -296,7 +296,7 @@
             <a:pPr algn="r">
               <a:buNone/>
             </a:pPr>
-            <a:fld id="{8F350CC3-F1B7-45DC-9630-C0DA26DA69E2}" type="slidenum">
+            <a:fld id="{4AFFCC44-784A-4FA6-BE4A-7FB0F5AC203A}" type="slidenum">
               <a:rPr b="0" lang="en-CA" sz="1400" spc="-1" strike="noStrike">
                 <a:latin typeface="Times New Roman"/>
               </a:rPr>
@@ -344,7 +344,7 @@
         <p:spPr>
           <a:xfrm>
             <a:off x="3884760" y="8685360"/>
-            <a:ext cx="2968920" cy="454320"/>
+            <a:ext cx="2968560" cy="453960"/>
           </a:xfrm>
           <a:prstGeom prst="rect">
             <a:avLst/>
@@ -377,7 +377,7 @@
               </a:lnSpc>
               <a:buNone/>
             </a:pPr>
-            <a:fld id="{72450C98-F2D1-4066-9BD3-B951C0AAFC78}" type="slidenum">
+            <a:fld id="{543B8116-783C-429A-B2A9-62E6948A968D}" type="slidenum">
               <a:rPr b="0" lang="en-US" sz="1200" spc="-1" strike="noStrike">
                 <a:latin typeface="Times New Roman"/>
                 <a:ea typeface="Lucida Sans Unicode"/>
@@ -403,7 +403,7 @@
         <p:spPr>
           <a:xfrm>
             <a:off x="1143000" y="685800"/>
-            <a:ext cx="4569120" cy="3426120"/>
+            <a:ext cx="4568760" cy="3425760"/>
           </a:xfrm>
           <a:prstGeom prst="rect">
             <a:avLst/>
@@ -426,7 +426,7 @@
         <p:spPr>
           <a:xfrm>
             <a:off x="685800" y="4343400"/>
-            <a:ext cx="5483520" cy="4111920"/>
+            <a:ext cx="5483160" cy="4111560"/>
           </a:xfrm>
           <a:prstGeom prst="rect">
             <a:avLst/>
@@ -3537,7 +3537,7 @@
         <p:spPr>
           <a:xfrm>
             <a:off x="34920" y="6099120"/>
-            <a:ext cx="2530800" cy="711360"/>
+            <a:ext cx="2530440" cy="711000"/>
           </a:xfrm>
           <a:prstGeom prst="rect">
             <a:avLst/>
@@ -3830,7 +3830,7 @@
         <p:spPr>
           <a:xfrm>
             <a:off x="34920" y="6099120"/>
-            <a:ext cx="2530800" cy="711360"/>
+            <a:ext cx="2530440" cy="711000"/>
           </a:xfrm>
           <a:prstGeom prst="rect">
             <a:avLst/>
@@ -4116,7 +4116,7 @@
         <p:spPr>
           <a:xfrm>
             <a:off x="685800" y="2130480"/>
-            <a:ext cx="7769520" cy="1467000"/>
+            <a:ext cx="7769160" cy="1466640"/>
           </a:xfrm>
           <a:prstGeom prst="rect">
             <a:avLst/>
@@ -4193,7 +4193,7 @@
         <p:spPr>
           <a:xfrm>
             <a:off x="457200" y="274680"/>
-            <a:ext cx="8226720" cy="1140120"/>
+            <a:ext cx="8226360" cy="1139760"/>
           </a:xfrm>
           <a:prstGeom prst="rect">
             <a:avLst/>
@@ -4243,7 +4243,7 @@
         <p:spPr>
           <a:xfrm>
             <a:off x="1261800" y="1415520"/>
-            <a:ext cx="7017480" cy="4523040"/>
+            <a:ext cx="7017120" cy="4522680"/>
           </a:xfrm>
           <a:prstGeom prst="rect">
             <a:avLst/>
@@ -4275,7 +4275,7 @@
                 <a:latin typeface="Calibri"/>
                 <a:ea typeface="ＭＳ Ｐゴシック"/>
               </a:rPr>
-              <a:t>Custom Attributes allow one to extend the validation runtime by adding attributes that be used to decorate model properties, just like the native validation attributes do.</a:t>
+              <a:t>Custom Attributes allow one to extend the validation runtime by adding attributes that can be used to decorate model properties, just like the native validation attributes.</a:t>
             </a:r>
             <a:endParaRPr b="0" lang="en-CA" sz="2600" spc="-1" strike="noStrike">
               <a:latin typeface="Arial"/>
@@ -4313,7 +4313,7 @@
                 <a:latin typeface="Calibri"/>
                 <a:ea typeface="ＭＳ Ｐゴシック"/>
               </a:rPr>
-              <a:t>When a Model implements the IValidatable interface, the runtime will call the Validate method after instantiating the class.  </a:t>
+              <a:t>When a Model implements the IValidatable interface, the runtime will call the Model’s Validate method after instantiating the class.  </a:t>
             </a:r>
             <a:endParaRPr b="0" lang="en-CA" sz="2600" spc="-1" strike="noStrike">
               <a:latin typeface="Arial"/>
@@ -4420,7 +4420,7 @@
         <p:spPr>
           <a:xfrm>
             <a:off x="457200" y="274680"/>
-            <a:ext cx="8226720" cy="1140120"/>
+            <a:ext cx="8226360" cy="1139760"/>
           </a:xfrm>
           <a:prstGeom prst="rect">
             <a:avLst/>
@@ -4470,7 +4470,7 @@
         <p:spPr>
           <a:xfrm>
             <a:off x="1261800" y="1415520"/>
-            <a:ext cx="7017480" cy="4523040"/>
+            <a:ext cx="7017120" cy="4522680"/>
           </a:xfrm>
           <a:prstGeom prst="rect">
             <a:avLst/>
@@ -4647,7 +4647,7 @@
         <p:spPr>
           <a:xfrm>
             <a:off x="457200" y="274680"/>
-            <a:ext cx="8226720" cy="1140120"/>
+            <a:ext cx="8226360" cy="1139760"/>
           </a:xfrm>
           <a:prstGeom prst="rect">
             <a:avLst/>
@@ -4697,7 +4697,7 @@
         <p:spPr>
           <a:xfrm>
             <a:off x="1333080" y="1620000"/>
-            <a:ext cx="7017480" cy="4139640"/>
+            <a:ext cx="7017120" cy="4139280"/>
           </a:xfrm>
           <a:prstGeom prst="rect">
             <a:avLst/>
